--- a/presentations/10-Other-WS-star.pptx
+++ b/presentations/10-Other-WS-star.pptx
@@ -554,7 +554,7 @@
         <p:nvSpPr>
           <p:cNvPr id="32769" name="Text Box 1"/>
           <p:cNvSpPr txBox="1">
-            <a:spLocks noChangeArrowheads="1"/>
+            <a:spLocks noGrp="1" noChangeArrowheads="1"/>
           </p:cNvSpPr>
           <p:nvPr>
             <p:ph type="body"/>
@@ -726,7 +726,7 @@
         <p:nvSpPr>
           <p:cNvPr id="44033" name="Text Box 1"/>
           <p:cNvSpPr txBox="1">
-            <a:spLocks noChangeArrowheads="1"/>
+            <a:spLocks noGrp="1" noChangeArrowheads="1"/>
           </p:cNvSpPr>
           <p:nvPr>
             <p:ph type="body"/>
@@ -1055,7 +1055,7 @@
         <p:nvSpPr>
           <p:cNvPr id="49155" name="Rectangle 2"/>
           <p:cNvSpPr>
-            <a:spLocks noChangeArrowheads="1" noTextEdit="1"/>
+            <a:spLocks noGrp="1" noRot="1" noChangeAspect="1" noChangeArrowheads="1" noTextEdit="1"/>
           </p:cNvSpPr>
           <p:nvPr>
             <p:ph type="sldImg"/>
@@ -1335,7 +1335,7 @@
         <p:nvSpPr>
           <p:cNvPr id="50179" name="Rectangle 2"/>
           <p:cNvSpPr>
-            <a:spLocks noChangeArrowheads="1" noTextEdit="1"/>
+            <a:spLocks noGrp="1" noRot="1" noChangeAspect="1" noChangeArrowheads="1" noTextEdit="1"/>
           </p:cNvSpPr>
           <p:nvPr>
             <p:ph type="sldImg"/>
@@ -1615,7 +1615,7 @@
         <p:nvSpPr>
           <p:cNvPr id="51203" name="Rectangle 2"/>
           <p:cNvSpPr>
-            <a:spLocks noChangeArrowheads="1" noTextEdit="1"/>
+            <a:spLocks noGrp="1" noRot="1" noChangeAspect="1" noChangeArrowheads="1" noTextEdit="1"/>
           </p:cNvSpPr>
           <p:nvPr>
             <p:ph type="sldImg"/>
@@ -1904,7 +1904,7 @@
         <p:nvSpPr>
           <p:cNvPr id="54275" name="Rectangle 2"/>
           <p:cNvSpPr>
-            <a:spLocks noChangeArrowheads="1" noTextEdit="1"/>
+            <a:spLocks noGrp="1" noRot="1" noChangeAspect="1" noChangeArrowheads="1" noTextEdit="1"/>
           </p:cNvSpPr>
           <p:nvPr>
             <p:ph type="sldImg"/>
@@ -2184,7 +2184,7 @@
         <p:nvSpPr>
           <p:cNvPr id="55299" name="Rectangle 2"/>
           <p:cNvSpPr>
-            <a:spLocks noChangeArrowheads="1" noTextEdit="1"/>
+            <a:spLocks noGrp="1" noRot="1" noChangeAspect="1" noChangeArrowheads="1" noTextEdit="1"/>
           </p:cNvSpPr>
           <p:nvPr>
             <p:ph type="sldImg"/>
@@ -2464,7 +2464,7 @@
         <p:nvSpPr>
           <p:cNvPr id="56323" name="Rectangle 2"/>
           <p:cNvSpPr>
-            <a:spLocks noChangeArrowheads="1" noTextEdit="1"/>
+            <a:spLocks noGrp="1" noRot="1" noChangeAspect="1" noChangeArrowheads="1" noTextEdit="1"/>
           </p:cNvSpPr>
           <p:nvPr>
             <p:ph type="sldImg"/>
@@ -2744,7 +2744,7 @@
         <p:nvSpPr>
           <p:cNvPr id="57347" name="Rectangle 2"/>
           <p:cNvSpPr>
-            <a:spLocks noChangeArrowheads="1" noTextEdit="1"/>
+            <a:spLocks noGrp="1" noRot="1" noChangeAspect="1" noChangeArrowheads="1" noTextEdit="1"/>
           </p:cNvSpPr>
           <p:nvPr>
             <p:ph type="sldImg"/>
@@ -3024,7 +3024,7 @@
         <p:nvSpPr>
           <p:cNvPr id="58371" name="Rectangle 2"/>
           <p:cNvSpPr>
-            <a:spLocks noChangeArrowheads="1" noTextEdit="1"/>
+            <a:spLocks noGrp="1" noRot="1" noChangeAspect="1" noChangeArrowheads="1" noTextEdit="1"/>
           </p:cNvSpPr>
           <p:nvPr>
             <p:ph type="sldImg"/>
@@ -3304,7 +3304,7 @@
         <p:nvSpPr>
           <p:cNvPr id="59395" name="Rectangle 2"/>
           <p:cNvSpPr>
-            <a:spLocks noChangeArrowheads="1" noTextEdit="1"/>
+            <a:spLocks noGrp="1" noRot="1" noChangeAspect="1" noChangeArrowheads="1" noTextEdit="1"/>
           </p:cNvSpPr>
           <p:nvPr>
             <p:ph type="sldImg"/>
@@ -3427,7 +3427,7 @@
         <p:nvSpPr>
           <p:cNvPr id="33793" name="Text Box 1"/>
           <p:cNvSpPr txBox="1">
-            <a:spLocks noChangeArrowheads="1"/>
+            <a:spLocks noGrp="1" noChangeArrowheads="1"/>
           </p:cNvSpPr>
           <p:nvPr>
             <p:ph type="body"/>
@@ -3756,7 +3756,7 @@
         <p:nvSpPr>
           <p:cNvPr id="60419" name="Rectangle 2"/>
           <p:cNvSpPr>
-            <a:spLocks noChangeArrowheads="1" noTextEdit="1"/>
+            <a:spLocks noGrp="1" noRot="1" noChangeAspect="1" noChangeArrowheads="1" noTextEdit="1"/>
           </p:cNvSpPr>
           <p:nvPr>
             <p:ph type="sldImg"/>
@@ -4036,7 +4036,7 @@
         <p:nvSpPr>
           <p:cNvPr id="61443" name="Rectangle 2"/>
           <p:cNvSpPr>
-            <a:spLocks noChangeArrowheads="1" noTextEdit="1"/>
+            <a:spLocks noGrp="1" noRot="1" noChangeAspect="1" noChangeArrowheads="1" noTextEdit="1"/>
           </p:cNvSpPr>
           <p:nvPr>
             <p:ph type="sldImg"/>
@@ -4316,7 +4316,7 @@
         <p:nvSpPr>
           <p:cNvPr id="62467" name="Rectangle 2"/>
           <p:cNvSpPr>
-            <a:spLocks noChangeArrowheads="1" noTextEdit="1"/>
+            <a:spLocks noGrp="1" noRot="1" noChangeAspect="1" noChangeArrowheads="1" noTextEdit="1"/>
           </p:cNvSpPr>
           <p:nvPr>
             <p:ph type="sldImg"/>
@@ -4596,7 +4596,7 @@
         <p:nvSpPr>
           <p:cNvPr id="64515" name="Rectangle 2"/>
           <p:cNvSpPr>
-            <a:spLocks noChangeArrowheads="1" noTextEdit="1"/>
+            <a:spLocks noGrp="1" noRot="1" noChangeAspect="1" noChangeArrowheads="1" noTextEdit="1"/>
           </p:cNvSpPr>
           <p:nvPr>
             <p:ph type="sldImg"/>
@@ -4719,7 +4719,7 @@
         <p:nvSpPr>
           <p:cNvPr id="34817" name="Text Box 1"/>
           <p:cNvSpPr txBox="1">
-            <a:spLocks noChangeArrowheads="1"/>
+            <a:spLocks noGrp="1" noChangeArrowheads="1"/>
           </p:cNvSpPr>
           <p:nvPr>
             <p:ph type="body"/>
@@ -4891,7 +4891,7 @@
         <p:nvSpPr>
           <p:cNvPr id="35841" name="Text Box 1"/>
           <p:cNvSpPr txBox="1">
-            <a:spLocks noChangeArrowheads="1"/>
+            <a:spLocks noGrp="1" noChangeArrowheads="1"/>
           </p:cNvSpPr>
           <p:nvPr>
             <p:ph type="body"/>
@@ -5063,7 +5063,7 @@
         <p:nvSpPr>
           <p:cNvPr id="36865" name="Text Box 1"/>
           <p:cNvSpPr txBox="1">
-            <a:spLocks noChangeArrowheads="1"/>
+            <a:spLocks noGrp="1" noChangeArrowheads="1"/>
           </p:cNvSpPr>
           <p:nvPr>
             <p:ph type="body"/>
@@ -5235,7 +5235,7 @@
         <p:nvSpPr>
           <p:cNvPr id="37889" name="Text Box 1"/>
           <p:cNvSpPr txBox="1">
-            <a:spLocks noChangeArrowheads="1"/>
+            <a:spLocks noGrp="1" noChangeArrowheads="1"/>
           </p:cNvSpPr>
           <p:nvPr>
             <p:ph type="body"/>
@@ -5407,7 +5407,7 @@
         <p:nvSpPr>
           <p:cNvPr id="38913" name="Text Box 1"/>
           <p:cNvSpPr txBox="1">
-            <a:spLocks noChangeArrowheads="1"/>
+            <a:spLocks noGrp="1" noChangeArrowheads="1"/>
           </p:cNvSpPr>
           <p:nvPr>
             <p:ph type="body"/>
@@ -5579,7 +5579,7 @@
         <p:nvSpPr>
           <p:cNvPr id="39937" name="Text Box 1"/>
           <p:cNvSpPr txBox="1">
-            <a:spLocks noChangeArrowheads="1"/>
+            <a:spLocks noGrp="1" noChangeArrowheads="1"/>
           </p:cNvSpPr>
           <p:nvPr>
             <p:ph type="body"/>
@@ -5751,7 +5751,7 @@
         <p:nvSpPr>
           <p:cNvPr id="40961" name="Text Box 1"/>
           <p:cNvSpPr txBox="1">
-            <a:spLocks noChangeArrowheads="1"/>
+            <a:spLocks noGrp="1" noChangeArrowheads="1"/>
           </p:cNvSpPr>
           <p:nvPr>
             <p:ph type="body"/>
@@ -9248,11 +9248,11 @@
           <a:p>
             <a:r>
               <a:rPr lang="en-US" dirty="0" smtClean="0"/>
-              <a:t>WS-Addressing</a:t>
-            </a:r>
-            <a:r>
-              <a:rPr lang="en-US" dirty="0"/>
-              <a:t> </a:t>
+              <a:t>WS-</a:t>
+            </a:r>
+            <a:r>
+              <a:rPr lang="en-US" dirty="0" smtClean="0"/>
+              <a:t>Addressing, WS-RM </a:t>
             </a:r>
             <a:r>
               <a:rPr lang="en-US" dirty="0" smtClean="0"/>
@@ -11428,7 +11428,7 @@
   <p:timing>
     <p:tnLst>
       <p:par>
-        <p:cTn xmlns:p14="http://schemas.microsoft.com/office/powerpoint/2010/main" id="1" dur="indefinite" nodeType="tmRoot">
+        <p:cTn xmlns:p14="http://schemas.microsoft.com/office/powerpoint/2010/main" id="1" dur="indefinite" restart="never" nodeType="tmRoot">
           <p:childTnLst>
             <p:seq concurrent="1" nextAc="seek">
               <p:cTn id="2" dur="indefinite" nodeType="mainSeq"/>
@@ -11935,11 +11935,11 @@
   <p:clrMapOvr>
     <a:masterClrMapping/>
   </p:clrMapOvr>
-  <mc:AlternateContent xmlns:mc="http://schemas.openxmlformats.org/markup-compatibility/2006">
-    <mc:Choice xmlns:p14="http://schemas.microsoft.com/office/powerpoint/2010/main" Requires="p14">
+  <mc:AlternateContent xmlns:mc="http://schemas.openxmlformats.org/markup-compatibility/2006" xmlns:p14="http://schemas.microsoft.com/office/powerpoint/2010/main">
+    <mc:Choice Requires="p14">
       <p:transition spd="slow" p14:dur="2000"/>
     </mc:Choice>
-    <mc:Fallback>
+    <mc:Fallback xmlns="">
       <p:transition xmlns:p14="http://schemas.microsoft.com/office/powerpoint/2010/main" spd="slow"/>
     </mc:Fallback>
   </mc:AlternateContent>
@@ -11997,7 +11997,7 @@
         <p:nvPicPr>
           <p:cNvPr id="18437" name="Picture 6"/>
           <p:cNvPicPr>
-            <a:picLocks noChangeAspect="1" noChangeArrowheads="1"/>
+            <a:picLocks noGrp="1" noChangeAspect="1" noChangeArrowheads="1"/>
           </p:cNvPicPr>
           <p:nvPr>
             <p:ph sz="half" idx="4294967295"/>
@@ -12117,11 +12117,11 @@
   <p:clrMapOvr>
     <a:masterClrMapping/>
   </p:clrMapOvr>
-  <mc:AlternateContent xmlns:mc="http://schemas.openxmlformats.org/markup-compatibility/2006">
-    <mc:Choice xmlns:p14="http://schemas.microsoft.com/office/powerpoint/2010/main" Requires="p14">
+  <mc:AlternateContent xmlns:mc="http://schemas.openxmlformats.org/markup-compatibility/2006" xmlns:p14="http://schemas.microsoft.com/office/powerpoint/2010/main">
+    <mc:Choice Requires="p14">
       <p:transition spd="slow" p14:dur="2000"/>
     </mc:Choice>
-    <mc:Fallback>
+    <mc:Fallback xmlns="">
       <p:transition xmlns:p14="http://schemas.microsoft.com/office/powerpoint/2010/main" spd="slow"/>
     </mc:Fallback>
   </mc:AlternateContent>
@@ -12714,11 +12714,11 @@
   <p:clrMapOvr>
     <a:masterClrMapping/>
   </p:clrMapOvr>
-  <mc:AlternateContent xmlns:mc="http://schemas.openxmlformats.org/markup-compatibility/2006">
-    <mc:Choice xmlns:p14="http://schemas.microsoft.com/office/powerpoint/2010/main" Requires="p14">
+  <mc:AlternateContent xmlns:mc="http://schemas.openxmlformats.org/markup-compatibility/2006" xmlns:p14="http://schemas.microsoft.com/office/powerpoint/2010/main">
+    <mc:Choice Requires="p14">
       <p:transition spd="slow" p14:dur="2000"/>
     </mc:Choice>
-    <mc:Fallback>
+    <mc:Fallback xmlns="">
       <p:transition xmlns:p14="http://schemas.microsoft.com/office/powerpoint/2010/main" spd="slow"/>
     </mc:Fallback>
   </mc:AlternateContent>
@@ -14363,11 +14363,11 @@
   <p:clrMapOvr>
     <a:masterClrMapping/>
   </p:clrMapOvr>
-  <mc:AlternateContent xmlns:mc="http://schemas.openxmlformats.org/markup-compatibility/2006">
-    <mc:Choice xmlns:p14="http://schemas.microsoft.com/office/powerpoint/2010/main" Requires="p14">
+  <mc:AlternateContent xmlns:mc="http://schemas.openxmlformats.org/markup-compatibility/2006" xmlns:p14="http://schemas.microsoft.com/office/powerpoint/2010/main">
+    <mc:Choice Requires="p14">
       <p:transition spd="slow" p14:dur="2000"/>
     </mc:Choice>
-    <mc:Fallback>
+    <mc:Fallback xmlns="">
       <p:transition xmlns:p14="http://schemas.microsoft.com/office/powerpoint/2010/main" spd="slow"/>
     </mc:Fallback>
   </mc:AlternateContent>
@@ -14523,11 +14523,11 @@
   <p:clrMapOvr>
     <a:masterClrMapping/>
   </p:clrMapOvr>
-  <mc:AlternateContent xmlns:mc="http://schemas.openxmlformats.org/markup-compatibility/2006">
-    <mc:Choice xmlns:p14="http://schemas.microsoft.com/office/powerpoint/2010/main" Requires="p14">
+  <mc:AlternateContent xmlns:mc="http://schemas.openxmlformats.org/markup-compatibility/2006" xmlns:p14="http://schemas.microsoft.com/office/powerpoint/2010/main">
+    <mc:Choice Requires="p14">
       <p:transition spd="slow" p14:dur="2000"/>
     </mc:Choice>
-    <mc:Fallback>
+    <mc:Fallback xmlns="">
       <p:transition xmlns:p14="http://schemas.microsoft.com/office/powerpoint/2010/main" spd="slow"/>
     </mc:Fallback>
   </mc:AlternateContent>
@@ -14614,11 +14614,11 @@
   <p:clrMapOvr>
     <a:masterClrMapping/>
   </p:clrMapOvr>
-  <mc:AlternateContent xmlns:mc="http://schemas.openxmlformats.org/markup-compatibility/2006">
-    <mc:Choice xmlns:p14="http://schemas.microsoft.com/office/powerpoint/2010/main" Requires="p14">
+  <mc:AlternateContent xmlns:mc="http://schemas.openxmlformats.org/markup-compatibility/2006" xmlns:p14="http://schemas.microsoft.com/office/powerpoint/2010/main">
+    <mc:Choice Requires="p14">
       <p:transition spd="slow" p14:dur="2000"/>
     </mc:Choice>
-    <mc:Fallback>
+    <mc:Fallback xmlns="">
       <p:transition xmlns:p14="http://schemas.microsoft.com/office/powerpoint/2010/main" spd="slow"/>
     </mc:Fallback>
   </mc:AlternateContent>
@@ -14783,11 +14783,11 @@
   <p:clrMapOvr>
     <a:masterClrMapping/>
   </p:clrMapOvr>
-  <mc:AlternateContent xmlns:mc="http://schemas.openxmlformats.org/markup-compatibility/2006">
-    <mc:Choice xmlns:p14="http://schemas.microsoft.com/office/powerpoint/2010/main" Requires="p14">
+  <mc:AlternateContent xmlns:mc="http://schemas.openxmlformats.org/markup-compatibility/2006" xmlns:p14="http://schemas.microsoft.com/office/powerpoint/2010/main">
+    <mc:Choice Requires="p14">
       <p:transition spd="slow" p14:dur="2000"/>
     </mc:Choice>
-    <mc:Fallback>
+    <mc:Fallback xmlns="">
       <p:transition xmlns:p14="http://schemas.microsoft.com/office/powerpoint/2010/main" spd="slow"/>
     </mc:Fallback>
   </mc:AlternateContent>
@@ -14864,10 +14864,17 @@
           <a:p>
             <a:r>
               <a:rPr lang="en-US" dirty="0" smtClean="0"/>
-              <a:t>WS-Addressing</a:t>
-            </a:r>
-          </a:p>
-          <a:p>
+              <a:t>WS-</a:t>
+            </a:r>
+            <a:r>
+              <a:rPr lang="en-US" dirty="0" smtClean="0"/>
+              <a:t>Addressing</a:t>
+            </a:r>
+          </a:p>
+          <a:p>
+            <a:pPr marL="0" indent="0">
+              <a:buNone/>
+            </a:pPr>
             <a:endParaRPr lang="en-US" dirty="0" smtClean="0"/>
           </a:p>
           <a:p>
@@ -15452,11 +15459,11 @@
   <p:clrMapOvr>
     <a:masterClrMapping/>
   </p:clrMapOvr>
-  <mc:AlternateContent xmlns:mc="http://schemas.openxmlformats.org/markup-compatibility/2006">
-    <mc:Choice xmlns:p14="http://schemas.microsoft.com/office/powerpoint/2010/main" Requires="p14">
+  <mc:AlternateContent xmlns:mc="http://schemas.openxmlformats.org/markup-compatibility/2006" xmlns:p14="http://schemas.microsoft.com/office/powerpoint/2010/main">
+    <mc:Choice Requires="p14">
       <p:transition spd="slow" p14:dur="2000"/>
     </mc:Choice>
-    <mc:Fallback>
+    <mc:Fallback xmlns="">
       <p:transition xmlns:p14="http://schemas.microsoft.com/office/powerpoint/2010/main" spd="slow"/>
     </mc:Fallback>
   </mc:AlternateContent>
@@ -17976,11 +17983,11 @@
   <p:clrMapOvr>
     <a:masterClrMapping/>
   </p:clrMapOvr>
-  <mc:AlternateContent xmlns:mc="http://schemas.openxmlformats.org/markup-compatibility/2006">
-    <mc:Choice xmlns:p14="http://schemas.microsoft.com/office/powerpoint/2010/main" Requires="p14">
+  <mc:AlternateContent xmlns:mc="http://schemas.openxmlformats.org/markup-compatibility/2006" xmlns:p14="http://schemas.microsoft.com/office/powerpoint/2010/main">
+    <mc:Choice Requires="p14">
       <p:transition spd="slow" p14:dur="2000"/>
     </mc:Choice>
-    <mc:Fallback>
+    <mc:Fallback xmlns="">
       <p:transition xmlns:p14="http://schemas.microsoft.com/office/powerpoint/2010/main" spd="slow"/>
     </mc:Fallback>
   </mc:AlternateContent>
@@ -18229,11 +18236,11 @@
   <p:clrMapOvr>
     <a:masterClrMapping/>
   </p:clrMapOvr>
-  <mc:AlternateContent xmlns:mc="http://schemas.openxmlformats.org/markup-compatibility/2006">
-    <mc:Choice xmlns:p14="http://schemas.microsoft.com/office/powerpoint/2010/main" Requires="p14">
+  <mc:AlternateContent xmlns:mc="http://schemas.openxmlformats.org/markup-compatibility/2006" xmlns:p14="http://schemas.microsoft.com/office/powerpoint/2010/main">
+    <mc:Choice Requires="p14">
       <p:transition spd="slow" p14:dur="2000"/>
     </mc:Choice>
-    <mc:Fallback>
+    <mc:Fallback xmlns="">
       <p:transition xmlns:p14="http://schemas.microsoft.com/office/powerpoint/2010/main" spd="slow"/>
     </mc:Fallback>
   </mc:AlternateContent>
@@ -18615,11 +18622,11 @@
   <p:clrMapOvr>
     <a:masterClrMapping/>
   </p:clrMapOvr>
-  <mc:AlternateContent xmlns:mc="http://schemas.openxmlformats.org/markup-compatibility/2006">
-    <mc:Choice xmlns:p14="http://schemas.microsoft.com/office/powerpoint/2010/main" Requires="p14">
+  <mc:AlternateContent xmlns:mc="http://schemas.openxmlformats.org/markup-compatibility/2006" xmlns:p14="http://schemas.microsoft.com/office/powerpoint/2010/main">
+    <mc:Choice Requires="p14">
       <p:transition spd="slow" p14:dur="2000"/>
     </mc:Choice>
-    <mc:Fallback>
+    <mc:Fallback xmlns="">
       <p:transition xmlns:p14="http://schemas.microsoft.com/office/powerpoint/2010/main" spd="slow"/>
     </mc:Fallback>
   </mc:AlternateContent>
@@ -18851,11 +18858,11 @@
   <p:clrMapOvr>
     <a:masterClrMapping/>
   </p:clrMapOvr>
-  <mc:AlternateContent xmlns:mc="http://schemas.openxmlformats.org/markup-compatibility/2006">
-    <mc:Choice xmlns:p14="http://schemas.microsoft.com/office/powerpoint/2010/main" Requires="p14">
+  <mc:AlternateContent xmlns:mc="http://schemas.openxmlformats.org/markup-compatibility/2006" xmlns:p14="http://schemas.microsoft.com/office/powerpoint/2010/main">
+    <mc:Choice Requires="p14">
       <p:transition spd="slow" p14:dur="2000"/>
     </mc:Choice>
-    <mc:Fallback>
+    <mc:Fallback xmlns="">
       <p:transition xmlns:p14="http://schemas.microsoft.com/office/powerpoint/2010/main" spd="slow"/>
     </mc:Fallback>
   </mc:AlternateContent>
@@ -18971,11 +18978,11 @@
   <p:clrMapOvr>
     <a:masterClrMapping/>
   </p:clrMapOvr>
-  <mc:AlternateContent xmlns:mc="http://schemas.openxmlformats.org/markup-compatibility/2006">
-    <mc:Choice xmlns:p14="http://schemas.microsoft.com/office/powerpoint/2010/main" Requires="p14">
+  <mc:AlternateContent xmlns:mc="http://schemas.openxmlformats.org/markup-compatibility/2006" xmlns:p14="http://schemas.microsoft.com/office/powerpoint/2010/main">
+    <mc:Choice Requires="p14">
       <p:transition spd="slow" p14:dur="2000"/>
     </mc:Choice>
-    <mc:Fallback>
+    <mc:Fallback xmlns="">
       <p:transition xmlns:p14="http://schemas.microsoft.com/office/powerpoint/2010/main" spd="slow"/>
     </mc:Fallback>
   </mc:AlternateContent>
@@ -19907,7 +19914,7 @@
   <p:timing>
     <p:tnLst>
       <p:par>
-        <p:cTn xmlns:p14="http://schemas.microsoft.com/office/powerpoint/2010/main" id="1" dur="indefinite" nodeType="tmRoot">
+        <p:cTn xmlns:p14="http://schemas.microsoft.com/office/powerpoint/2010/main" id="1" dur="indefinite" restart="never" nodeType="tmRoot">
           <p:childTnLst>
             <p:seq concurrent="1" nextAc="seek">
               <p:cTn id="2" dur="indefinite" nodeType="mainSeq"/>
@@ -21668,7 +21675,7 @@
   <p:timing>
     <p:tnLst>
       <p:par>
-        <p:cTn xmlns:p14="http://schemas.microsoft.com/office/powerpoint/2010/main" id="1" dur="indefinite" nodeType="tmRoot">
+        <p:cTn xmlns:p14="http://schemas.microsoft.com/office/powerpoint/2010/main" id="1" dur="indefinite" restart="never" nodeType="tmRoot">
           <p:childTnLst>
             <p:seq concurrent="1" nextAc="seek">
               <p:cTn id="2" dur="indefinite" nodeType="mainSeq"/>
